--- a/FinalPresentation.pptx
+++ b/FinalPresentation.pptx
@@ -6,11 +6,12 @@
   </p:sldMasterIdLst>
   <p:sldIdLst>
     <p:sldId id="256" r:id="rId2"/>
-    <p:sldId id="257" r:id="rId3"/>
-    <p:sldId id="258" r:id="rId4"/>
-    <p:sldId id="259" r:id="rId5"/>
-    <p:sldId id="260" r:id="rId6"/>
-    <p:sldId id="261" r:id="rId7"/>
+    <p:sldId id="262" r:id="rId3"/>
+    <p:sldId id="257" r:id="rId4"/>
+    <p:sldId id="258" r:id="rId5"/>
+    <p:sldId id="259" r:id="rId6"/>
+    <p:sldId id="260" r:id="rId7"/>
+    <p:sldId id="261" r:id="rId8"/>
   </p:sldIdLst>
   <p:sldSz cx="12192000" cy="6858000"/>
   <p:notesSz cx="6858000" cy="9144000"/>
@@ -109,6 +110,11 @@
       </a:defRPr>
     </a:lvl9pPr>
   </p:defaultTextStyle>
+  <p:extLst>
+    <p:ext uri="{EFAFB233-063F-42B5-8137-9DF3F51BA10A}">
+      <p15:sldGuideLst xmlns:p15="http://schemas.microsoft.com/office/powerpoint/2012/main"/>
+    </p:ext>
+  </p:extLst>
 </p:presentation>
 </file>
 
@@ -342,7 +348,7 @@
             <a:fld id="{B61BEF0D-F0BB-DE4B-95CE-6DB70DBA9567}" type="datetimeFigureOut">
               <a:rPr lang="en-US" dirty="0"/>
               <a:pPr/>
-              <a:t>4/30/2019</a:t>
+              <a:t>5/1/2019</a:t>
             </a:fld>
             <a:endParaRPr lang="en-US" dirty="0"/>
           </a:p>
@@ -673,7 +679,7 @@
             <a:fld id="{B61BEF0D-F0BB-DE4B-95CE-6DB70DBA9567}" type="datetimeFigureOut">
               <a:rPr lang="en-US" dirty="0"/>
               <a:pPr/>
-              <a:t>4/30/2019</a:t>
+              <a:t>5/1/2019</a:t>
             </a:fld>
             <a:endParaRPr lang="en-US" dirty="0"/>
           </a:p>
@@ -948,7 +954,7 @@
             <a:fld id="{B61BEF0D-F0BB-DE4B-95CE-6DB70DBA9567}" type="datetimeFigureOut">
               <a:rPr lang="en-US" dirty="0"/>
               <a:pPr/>
-              <a:t>4/30/2019</a:t>
+              <a:t>5/1/2019</a:t>
             </a:fld>
             <a:endParaRPr lang="en-US" dirty="0"/>
           </a:p>
@@ -1513,7 +1519,7 @@
             <a:fld id="{B61BEF0D-F0BB-DE4B-95CE-6DB70DBA9567}" type="datetimeFigureOut">
               <a:rPr lang="en-US" dirty="0"/>
               <a:pPr/>
-              <a:t>4/30/2019</a:t>
+              <a:t>5/1/2019</a:t>
             </a:fld>
             <a:endParaRPr lang="en-US" dirty="0"/>
           </a:p>
@@ -1788,7 +1794,7 @@
             <a:fld id="{B61BEF0D-F0BB-DE4B-95CE-6DB70DBA9567}" type="datetimeFigureOut">
               <a:rPr lang="en-US" dirty="0"/>
               <a:pPr/>
-              <a:t>4/30/2019</a:t>
+              <a:t>5/1/2019</a:t>
             </a:fld>
             <a:endParaRPr lang="en-US" dirty="0"/>
           </a:p>
@@ -2347,7 +2353,7 @@
             <a:fld id="{B61BEF0D-F0BB-DE4B-95CE-6DB70DBA9567}" type="datetimeFigureOut">
               <a:rPr lang="en-US" dirty="0"/>
               <a:pPr/>
-              <a:t>4/30/2019</a:t>
+              <a:t>5/1/2019</a:t>
             </a:fld>
             <a:endParaRPr lang="en-US" dirty="0"/>
           </a:p>
@@ -2671,7 +2677,7 @@
             <a:fld id="{B61BEF0D-F0BB-DE4B-95CE-6DB70DBA9567}" type="datetimeFigureOut">
               <a:rPr lang="en-US" dirty="0"/>
               <a:pPr/>
-              <a:t>4/30/2019</a:t>
+              <a:t>5/1/2019</a:t>
             </a:fld>
             <a:endParaRPr lang="en-US" dirty="0"/>
           </a:p>
@@ -2873,7 +2879,7 @@
             <a:fld id="{B61BEF0D-F0BB-DE4B-95CE-6DB70DBA9567}" type="datetimeFigureOut">
               <a:rPr lang="en-US" dirty="0"/>
               <a:pPr/>
-              <a:t>4/30/2019</a:t>
+              <a:t>5/1/2019</a:t>
             </a:fld>
             <a:endParaRPr lang="en-US" dirty="0"/>
           </a:p>
@@ -3080,7 +3086,7 @@
             <a:fld id="{B61BEF0D-F0BB-DE4B-95CE-6DB70DBA9567}" type="datetimeFigureOut">
               <a:rPr lang="en-US" dirty="0"/>
               <a:pPr/>
-              <a:t>4/30/2019</a:t>
+              <a:t>5/1/2019</a:t>
             </a:fld>
             <a:endParaRPr lang="en-US" dirty="0"/>
           </a:p>
@@ -3277,7 +3283,7 @@
             <a:fld id="{B61BEF0D-F0BB-DE4B-95CE-6DB70DBA9567}" type="datetimeFigureOut">
               <a:rPr lang="en-US" dirty="0"/>
               <a:pPr/>
-              <a:t>4/30/2019</a:t>
+              <a:t>5/1/2019</a:t>
             </a:fld>
             <a:endParaRPr lang="en-US" dirty="0"/>
           </a:p>
@@ -3550,7 +3556,7 @@
             <a:fld id="{B61BEF0D-F0BB-DE4B-95CE-6DB70DBA9567}" type="datetimeFigureOut">
               <a:rPr lang="en-US" dirty="0"/>
               <a:pPr/>
-              <a:t>4/30/2019</a:t>
+              <a:t>5/1/2019</a:t>
             </a:fld>
             <a:endParaRPr lang="en-US" dirty="0"/>
           </a:p>
@@ -3813,7 +3819,7 @@
             <a:fld id="{B61BEF0D-F0BB-DE4B-95CE-6DB70DBA9567}" type="datetimeFigureOut">
               <a:rPr lang="en-US" dirty="0"/>
               <a:pPr/>
-              <a:t>4/30/2019</a:t>
+              <a:t>5/1/2019</a:t>
             </a:fld>
             <a:endParaRPr lang="en-US" dirty="0"/>
           </a:p>
@@ -4184,7 +4190,7 @@
             <a:fld id="{B61BEF0D-F0BB-DE4B-95CE-6DB70DBA9567}" type="datetimeFigureOut">
               <a:rPr lang="en-US" dirty="0"/>
               <a:pPr/>
-              <a:t>4/30/2019</a:t>
+              <a:t>5/1/2019</a:t>
             </a:fld>
             <a:endParaRPr lang="en-US" dirty="0"/>
           </a:p>
@@ -4329,7 +4335,7 @@
             <a:fld id="{B61BEF0D-F0BB-DE4B-95CE-6DB70DBA9567}" type="datetimeFigureOut">
               <a:rPr lang="en-US" dirty="0"/>
               <a:pPr/>
-              <a:t>4/30/2019</a:t>
+              <a:t>5/1/2019</a:t>
             </a:fld>
             <a:endParaRPr lang="en-US" dirty="0"/>
           </a:p>
@@ -4451,7 +4457,7 @@
             <a:fld id="{B61BEF0D-F0BB-DE4B-95CE-6DB70DBA9567}" type="datetimeFigureOut">
               <a:rPr lang="en-US" dirty="0"/>
               <a:pPr/>
-              <a:t>4/30/2019</a:t>
+              <a:t>5/1/2019</a:t>
             </a:fld>
             <a:endParaRPr lang="en-US" dirty="0"/>
           </a:p>
@@ -4733,7 +4739,7 @@
             <a:fld id="{B61BEF0D-F0BB-DE4B-95CE-6DB70DBA9567}" type="datetimeFigureOut">
               <a:rPr lang="en-US" dirty="0"/>
               <a:pPr/>
-              <a:t>4/30/2019</a:t>
+              <a:t>5/1/2019</a:t>
             </a:fld>
             <a:endParaRPr lang="en-US" dirty="0"/>
           </a:p>
@@ -5054,7 +5060,7 @@
             <a:fld id="{B61BEF0D-F0BB-DE4B-95CE-6DB70DBA9567}" type="datetimeFigureOut">
               <a:rPr lang="en-US" dirty="0"/>
               <a:pPr/>
-              <a:t>4/30/2019</a:t>
+              <a:t>5/1/2019</a:t>
             </a:fld>
             <a:endParaRPr lang="en-US" dirty="0"/>
           </a:p>
@@ -5265,7 +5271,7 @@
             <a:fld id="{B61BEF0D-F0BB-DE4B-95CE-6DB70DBA9567}" type="datetimeFigureOut">
               <a:rPr lang="en-US" dirty="0"/>
               <a:pPr/>
-              <a:t>4/30/2019</a:t>
+              <a:t>5/1/2019</a:t>
             </a:fld>
             <a:endParaRPr lang="en-US" dirty="0"/>
           </a:p>
@@ -5891,7 +5897,7 @@
           <p:cNvPr id="2" name="Title 1">
             <a:extLst>
               <a:ext uri="{FF2B5EF4-FFF2-40B4-BE49-F238E27FC236}">
-                <a16:creationId xmlns:a16="http://schemas.microsoft.com/office/drawing/2014/main" id="{DD812EBF-D8C7-41F9-A63D-CAAF946CFCED}"/>
+                <a16:creationId xmlns:a16="http://schemas.microsoft.com/office/drawing/2014/main" id="{1B4623BB-A555-4E20-BB97-5D2D3B25B085}"/>
               </a:ext>
             </a:extLst>
           </p:cNvPr>
@@ -5911,7 +5917,7 @@
           <a:p>
             <a:r>
               <a:rPr lang="en-US" sz="6000" dirty="0"/>
-              <a:t>OVERVIEW</a:t>
+              <a:t>GOAL</a:t>
             </a:r>
           </a:p>
         </p:txBody>
@@ -5921,7 +5927,7 @@
           <p:cNvPr id="3" name="Content Placeholder 2">
             <a:extLst>
               <a:ext uri="{FF2B5EF4-FFF2-40B4-BE49-F238E27FC236}">
-                <a16:creationId xmlns:a16="http://schemas.microsoft.com/office/drawing/2014/main" id="{2E7A77D9-A4C0-4CCC-98BC-3FBF2102444F}"/>
+                <a16:creationId xmlns:a16="http://schemas.microsoft.com/office/drawing/2014/main" id="{97381448-AC46-4821-AFEA-E35A1CC8AD21}"/>
               </a:ext>
             </a:extLst>
           </p:cNvPr>
@@ -5940,32 +5946,8 @@
           <a:lstStyle/>
           <a:p>
             <a:r>
-              <a:rPr lang="en-US" sz="4000" dirty="0"/>
-              <a:t>Fun, interactive robot</a:t>
-            </a:r>
-          </a:p>
-          <a:p>
-            <a:r>
-              <a:rPr lang="en-US" sz="4000" dirty="0"/>
-              <a:t>Greets people at technology center</a:t>
-            </a:r>
-          </a:p>
-          <a:p>
-            <a:r>
-              <a:rPr lang="en-US" sz="4000" dirty="0"/>
-              <a:t>Learn and remember names</a:t>
-            </a:r>
-          </a:p>
-          <a:p>
-            <a:r>
-              <a:rPr lang="en-US" sz="4000" dirty="0"/>
-              <a:t>Recognize faces</a:t>
-            </a:r>
-          </a:p>
-          <a:p>
-            <a:r>
-              <a:rPr lang="en-US" sz="4000" dirty="0"/>
-              <a:t>Dancing and high fives </a:t>
+              <a:rPr lang="en-US" sz="4400" dirty="0"/>
+              <a:t>Program a robot to greet people coming into the technology center</a:t>
             </a:r>
           </a:p>
         </p:txBody>
@@ -5973,7 +5955,7 @@
     </p:spTree>
     <p:extLst>
       <p:ext uri="{BB962C8B-B14F-4D97-AF65-F5344CB8AC3E}">
-        <p14:creationId xmlns:p14="http://schemas.microsoft.com/office/powerpoint/2010/main" val="5457355"/>
+        <p14:creationId xmlns:p14="http://schemas.microsoft.com/office/powerpoint/2010/main" val="427574693"/>
       </p:ext>
     </p:extLst>
   </p:cSld>
@@ -6005,7 +5987,7 @@
           <p:cNvPr id="2" name="Title 1">
             <a:extLst>
               <a:ext uri="{FF2B5EF4-FFF2-40B4-BE49-F238E27FC236}">
-                <a16:creationId xmlns:a16="http://schemas.microsoft.com/office/drawing/2014/main" id="{91CCD6D9-992B-4B2B-B364-B8ABF11E03F2}"/>
+                <a16:creationId xmlns:a16="http://schemas.microsoft.com/office/drawing/2014/main" id="{DD812EBF-D8C7-41F9-A63D-CAAF946CFCED}"/>
               </a:ext>
             </a:extLst>
           </p:cNvPr>
@@ -6016,12 +5998,7 @@
             <p:ph type="title"/>
           </p:nvPr>
         </p:nvSpPr>
-        <p:spPr>
-          <a:xfrm>
-            <a:off x="685800" y="338666"/>
-            <a:ext cx="10131425" cy="1456267"/>
-          </a:xfrm>
-        </p:spPr>
+        <p:spPr/>
         <p:txBody>
           <a:bodyPr>
             <a:normAutofit/>
@@ -6030,7 +6007,7 @@
           <a:p>
             <a:r>
               <a:rPr lang="en-US" sz="6000" dirty="0"/>
-              <a:t>problems</a:t>
+              <a:t>OVERVIEW</a:t>
             </a:r>
           </a:p>
         </p:txBody>
@@ -6040,7 +6017,7 @@
           <p:cNvPr id="3" name="Content Placeholder 2">
             <a:extLst>
               <a:ext uri="{FF2B5EF4-FFF2-40B4-BE49-F238E27FC236}">
-                <a16:creationId xmlns:a16="http://schemas.microsoft.com/office/drawing/2014/main" id="{C682524A-50E8-4961-B882-D9E926AF1F86}"/>
+                <a16:creationId xmlns:a16="http://schemas.microsoft.com/office/drawing/2014/main" id="{2E7A77D9-A4C0-4CCC-98BC-3FBF2102444F}"/>
               </a:ext>
             </a:extLst>
           </p:cNvPr>
@@ -6051,55 +6028,40 @@
             <p:ph idx="1"/>
           </p:nvPr>
         </p:nvSpPr>
-        <p:spPr>
-          <a:xfrm>
-            <a:off x="685799" y="1972384"/>
-            <a:ext cx="10131425" cy="3649133"/>
-          </a:xfrm>
-        </p:spPr>
+        <p:spPr/>
         <p:txBody>
           <a:bodyPr>
-            <a:noAutofit/>
+            <a:normAutofit/>
           </a:bodyPr>
           <a:lstStyle/>
           <a:p>
             <a:r>
               <a:rPr lang="en-US" sz="4000" dirty="0"/>
-              <a:t>New application for all of us</a:t>
+              <a:t>Fun, interactive robot</a:t>
             </a:r>
           </a:p>
           <a:p>
             <a:r>
               <a:rPr lang="en-US" sz="4000" dirty="0"/>
-              <a:t>Connecting him to computers</a:t>
+              <a:t>Greets people at technology center</a:t>
             </a:r>
           </a:p>
           <a:p>
             <a:r>
               <a:rPr lang="en-US" sz="4000" dirty="0"/>
-              <a:t>Missing activation code</a:t>
-            </a:r>
-          </a:p>
-          <a:p>
-            <a:r>
-              <a:rPr lang="en-US" sz="4000" dirty="0" err="1"/>
-              <a:t>Choregraphe</a:t>
-            </a:r>
+              <a:t>Learn and remember names</a:t>
+            </a:r>
+          </a:p>
+          <a:p>
             <a:r>
               <a:rPr lang="en-US" sz="4000" dirty="0"/>
-              <a:t> kept crashing</a:t>
+              <a:t>Recognize faces</a:t>
             </a:r>
           </a:p>
           <a:p>
             <a:r>
               <a:rPr lang="en-US" sz="4000" dirty="0"/>
-              <a:t>Troubles connecting the robot to application</a:t>
-            </a:r>
-          </a:p>
-          <a:p>
-            <a:r>
-              <a:rPr lang="en-US" sz="4000" dirty="0"/>
-              <a:t>Hearing extremely sensitive</a:t>
+              <a:t>Dancing and high fives </a:t>
             </a:r>
           </a:p>
         </p:txBody>
@@ -6107,7 +6069,7 @@
     </p:spTree>
     <p:extLst>
       <p:ext uri="{BB962C8B-B14F-4D97-AF65-F5344CB8AC3E}">
-        <p14:creationId xmlns:p14="http://schemas.microsoft.com/office/powerpoint/2010/main" val="745246935"/>
+        <p14:creationId xmlns:p14="http://schemas.microsoft.com/office/powerpoint/2010/main" val="5457355"/>
       </p:ext>
     </p:extLst>
   </p:cSld>
@@ -6139,7 +6101,7 @@
           <p:cNvPr id="2" name="Title 1">
             <a:extLst>
               <a:ext uri="{FF2B5EF4-FFF2-40B4-BE49-F238E27FC236}">
-                <a16:creationId xmlns:a16="http://schemas.microsoft.com/office/drawing/2014/main" id="{CEFB5A1F-B455-4B75-B0CE-5B8E13D6D95F}"/>
+                <a16:creationId xmlns:a16="http://schemas.microsoft.com/office/drawing/2014/main" id="{91CCD6D9-992B-4B2B-B364-B8ABF11E03F2}"/>
               </a:ext>
             </a:extLst>
           </p:cNvPr>
@@ -6150,7 +6112,12 @@
             <p:ph type="title"/>
           </p:nvPr>
         </p:nvSpPr>
-        <p:spPr/>
+        <p:spPr>
+          <a:xfrm>
+            <a:off x="685800" y="338666"/>
+            <a:ext cx="10131425" cy="1456267"/>
+          </a:xfrm>
+        </p:spPr>
         <p:txBody>
           <a:bodyPr>
             <a:normAutofit/>
@@ -6159,7 +6126,7 @@
           <a:p>
             <a:r>
               <a:rPr lang="en-US" sz="6000" dirty="0"/>
-              <a:t>PROBLEMs cont.</a:t>
+              <a:t>problems</a:t>
             </a:r>
           </a:p>
         </p:txBody>
@@ -6169,7 +6136,7 @@
           <p:cNvPr id="3" name="Content Placeholder 2">
             <a:extLst>
               <a:ext uri="{FF2B5EF4-FFF2-40B4-BE49-F238E27FC236}">
-                <a16:creationId xmlns:a16="http://schemas.microsoft.com/office/drawing/2014/main" id="{75917071-ACC7-40D0-AE26-787951F57815}"/>
+                <a16:creationId xmlns:a16="http://schemas.microsoft.com/office/drawing/2014/main" id="{C682524A-50E8-4961-B882-D9E926AF1F86}"/>
               </a:ext>
             </a:extLst>
           </p:cNvPr>
@@ -6180,34 +6147,55 @@
             <p:ph idx="1"/>
           </p:nvPr>
         </p:nvSpPr>
-        <p:spPr/>
+        <p:spPr>
+          <a:xfrm>
+            <a:off x="685799" y="1972384"/>
+            <a:ext cx="10131425" cy="3649133"/>
+          </a:xfrm>
+        </p:spPr>
         <p:txBody>
           <a:bodyPr>
-            <a:normAutofit/>
+            <a:noAutofit/>
           </a:bodyPr>
           <a:lstStyle/>
           <a:p>
             <a:r>
               <a:rPr lang="en-US" sz="4000" dirty="0"/>
-              <a:t>Randomly malfunction</a:t>
+              <a:t>New application for all of us</a:t>
             </a:r>
           </a:p>
           <a:p>
             <a:r>
               <a:rPr lang="en-US" sz="4000" dirty="0"/>
-              <a:t>Right arm stopped working</a:t>
+              <a:t>Connecting him to computers</a:t>
             </a:r>
           </a:p>
           <a:p>
             <a:r>
               <a:rPr lang="en-US" sz="4000" dirty="0"/>
-              <a:t>Fell over if he danced too aggressively</a:t>
-            </a:r>
-          </a:p>
-          <a:p>
+              <a:t>Missing activation code</a:t>
+            </a:r>
+          </a:p>
+          <a:p>
+            <a:r>
+              <a:rPr lang="en-US" sz="4000" dirty="0" err="1"/>
+              <a:t>Choregraphe</a:t>
+            </a:r>
             <a:r>
               <a:rPr lang="en-US" sz="4000" dirty="0"/>
-              <a:t>Overall, pretty unreliable</a:t>
+              <a:t> kept crashing</a:t>
+            </a:r>
+          </a:p>
+          <a:p>
+            <a:r>
+              <a:rPr lang="en-US" sz="4000" dirty="0"/>
+              <a:t>Troubles connecting the robot to application</a:t>
+            </a:r>
+          </a:p>
+          <a:p>
+            <a:r>
+              <a:rPr lang="en-US" sz="4000" dirty="0"/>
+              <a:t>Hearing extremely sensitive</a:t>
             </a:r>
           </a:p>
         </p:txBody>
@@ -6215,7 +6203,7 @@
     </p:spTree>
     <p:extLst>
       <p:ext uri="{BB962C8B-B14F-4D97-AF65-F5344CB8AC3E}">
-        <p14:creationId xmlns:p14="http://schemas.microsoft.com/office/powerpoint/2010/main" val="197910675"/>
+        <p14:creationId xmlns:p14="http://schemas.microsoft.com/office/powerpoint/2010/main" val="745246935"/>
       </p:ext>
     </p:extLst>
   </p:cSld>
@@ -6247,6 +6235,114 @@
           <p:cNvPr id="2" name="Title 1">
             <a:extLst>
               <a:ext uri="{FF2B5EF4-FFF2-40B4-BE49-F238E27FC236}">
+                <a16:creationId xmlns:a16="http://schemas.microsoft.com/office/drawing/2014/main" id="{CEFB5A1F-B455-4B75-B0CE-5B8E13D6D95F}"/>
+              </a:ext>
+            </a:extLst>
+          </p:cNvPr>
+          <p:cNvSpPr>
+            <a:spLocks noGrp="1"/>
+          </p:cNvSpPr>
+          <p:nvPr>
+            <p:ph type="title"/>
+          </p:nvPr>
+        </p:nvSpPr>
+        <p:spPr/>
+        <p:txBody>
+          <a:bodyPr>
+            <a:normAutofit/>
+          </a:bodyPr>
+          <a:lstStyle/>
+          <a:p>
+            <a:r>
+              <a:rPr lang="en-US" sz="6000" dirty="0"/>
+              <a:t>PROBLEMs cont.</a:t>
+            </a:r>
+          </a:p>
+        </p:txBody>
+      </p:sp>
+      <p:sp>
+        <p:nvSpPr>
+          <p:cNvPr id="3" name="Content Placeholder 2">
+            <a:extLst>
+              <a:ext uri="{FF2B5EF4-FFF2-40B4-BE49-F238E27FC236}">
+                <a16:creationId xmlns:a16="http://schemas.microsoft.com/office/drawing/2014/main" id="{75917071-ACC7-40D0-AE26-787951F57815}"/>
+              </a:ext>
+            </a:extLst>
+          </p:cNvPr>
+          <p:cNvSpPr>
+            <a:spLocks noGrp="1"/>
+          </p:cNvSpPr>
+          <p:nvPr>
+            <p:ph idx="1"/>
+          </p:nvPr>
+        </p:nvSpPr>
+        <p:spPr/>
+        <p:txBody>
+          <a:bodyPr>
+            <a:normAutofit/>
+          </a:bodyPr>
+          <a:lstStyle/>
+          <a:p>
+            <a:r>
+              <a:rPr lang="en-US" sz="4000" dirty="0"/>
+              <a:t>Randomly malfunction</a:t>
+            </a:r>
+          </a:p>
+          <a:p>
+            <a:r>
+              <a:rPr lang="en-US" sz="4000" dirty="0"/>
+              <a:t>Right arm stopped working</a:t>
+            </a:r>
+          </a:p>
+          <a:p>
+            <a:r>
+              <a:rPr lang="en-US" sz="4000" dirty="0"/>
+              <a:t>Fell over if he danced too aggressively</a:t>
+            </a:r>
+          </a:p>
+          <a:p>
+            <a:r>
+              <a:rPr lang="en-US" sz="4000" dirty="0"/>
+              <a:t>Overall, pretty unreliable</a:t>
+            </a:r>
+          </a:p>
+        </p:txBody>
+      </p:sp>
+    </p:spTree>
+    <p:extLst>
+      <p:ext uri="{BB962C8B-B14F-4D97-AF65-F5344CB8AC3E}">
+        <p14:creationId xmlns:p14="http://schemas.microsoft.com/office/powerpoint/2010/main" val="197910675"/>
+      </p:ext>
+    </p:extLst>
+  </p:cSld>
+  <p:clrMapOvr>
+    <a:masterClrMapping/>
+  </p:clrMapOvr>
+</p:sld>
+</file>
+
+<file path=ppt/slides/slide6.xml><?xml version="1.0" encoding="utf-8"?>
+<p:sld xmlns:a="http://schemas.openxmlformats.org/drawingml/2006/main" xmlns:r="http://schemas.openxmlformats.org/officeDocument/2006/relationships" xmlns:p="http://schemas.openxmlformats.org/presentationml/2006/main">
+  <p:cSld>
+    <p:spTree>
+      <p:nvGrpSpPr>
+        <p:cNvPr id="1" name=""/>
+        <p:cNvGrpSpPr/>
+        <p:nvPr/>
+      </p:nvGrpSpPr>
+      <p:grpSpPr>
+        <a:xfrm>
+          <a:off x="0" y="0"/>
+          <a:ext cx="0" cy="0"/>
+          <a:chOff x="0" y="0"/>
+          <a:chExt cx="0" cy="0"/>
+        </a:xfrm>
+      </p:grpSpPr>
+      <p:sp>
+        <p:nvSpPr>
+          <p:cNvPr id="2" name="Title 1">
+            <a:extLst>
+              <a:ext uri="{FF2B5EF4-FFF2-40B4-BE49-F238E27FC236}">
                 <a16:creationId xmlns:a16="http://schemas.microsoft.com/office/drawing/2014/main" id="{742BF02A-598F-4DD7-99C8-62A3D4574E1C}"/>
               </a:ext>
             </a:extLst>
@@ -6325,7 +6421,7 @@
 </p:sld>
 </file>
 
-<file path=ppt/slides/slide6.xml><?xml version="1.0" encoding="utf-8"?>
+<file path=ppt/slides/slide7.xml><?xml version="1.0" encoding="utf-8"?>
 <p:sld xmlns:a="http://schemas.openxmlformats.org/drawingml/2006/main" xmlns:r="http://schemas.openxmlformats.org/officeDocument/2006/relationships" xmlns:p="http://schemas.openxmlformats.org/presentationml/2006/main">
   <p:cSld>
     <p:spTree>

--- a/FinalPresentation.pptx
+++ b/FinalPresentation.pptx
@@ -6403,7 +6403,25 @@
           <a:p>
             <a:r>
               <a:rPr lang="en-US" sz="4000" dirty="0"/>
-              <a:t>***Andrew fill in a couple more***</a:t>
+              <a:t>Complex behaviors and memory inputs</a:t>
+            </a:r>
+          </a:p>
+          <a:p>
+            <a:r>
+              <a:rPr lang="en-US" sz="4000" dirty="0"/>
+              <a:t>Movement and physical interaction</a:t>
+            </a:r>
+          </a:p>
+          <a:p>
+            <a:r>
+              <a:rPr lang="en-US" sz="4000" dirty="0"/>
+              <a:t>Human tracking and perception</a:t>
+            </a:r>
+          </a:p>
+          <a:p>
+            <a:r>
+              <a:rPr lang="en-US" sz="4000" dirty="0"/>
+              <a:t>Testing movements</a:t>
             </a:r>
           </a:p>
         </p:txBody>
